--- a/figures/comp_details.pptx
+++ b/figures/comp_details.pptx
@@ -7,7 +7,7 @@
   <p:sldIdLst>
     <p:sldId id="256" r:id="rId2"/>
   </p:sldIdLst>
-  <p:sldSz cx="9144000" cy="5580063"/>
+  <p:sldSz cx="9144000" cy="4860925"/>
   <p:notesSz cx="6858000" cy="9144000"/>
   <p:defaultTextStyle>
     <a:defPPr>
@@ -136,8 +136,8 @@
         </p:nvSpPr>
         <p:spPr>
           <a:xfrm>
-            <a:off x="685800" y="1733438"/>
-            <a:ext cx="7772400" cy="1196096"/>
+            <a:off x="685800" y="1510038"/>
+            <a:ext cx="7772400" cy="1041948"/>
           </a:xfrm>
         </p:spPr>
         <p:txBody>
@@ -164,8 +164,8 @@
         </p:nvSpPr>
         <p:spPr>
           <a:xfrm>
-            <a:off x="1371600" y="3162036"/>
-            <a:ext cx="6400800" cy="1426017"/>
+            <a:off x="1371600" y="2754525"/>
+            <a:ext cx="6400800" cy="1242237"/>
           </a:xfrm>
         </p:spPr>
         <p:txBody>
@@ -288,7 +288,7 @@
           <a:p>
             <a:fld id="{E90ED720-0104-4369-84BC-D37694168613}" type="datetimeFigureOut">
               <a:rPr kumimoji="1" lang="ja-JP" altLang="en-US" smtClean="0"/>
-              <a:t>2015/4/20</a:t>
+              <a:t>2015/9/28</a:t>
             </a:fld>
             <a:endParaRPr kumimoji="1" lang="ja-JP" altLang="en-US"/>
           </a:p>
@@ -485,7 +485,7 @@
           <a:p>
             <a:fld id="{E90ED720-0104-4369-84BC-D37694168613}" type="datetimeFigureOut">
               <a:rPr kumimoji="1" lang="ja-JP" altLang="en-US" smtClean="0"/>
-              <a:t>2015/4/20</a:t>
+              <a:t>2015/9/28</a:t>
             </a:fld>
             <a:endParaRPr kumimoji="1" lang="ja-JP" altLang="en-US"/>
           </a:p>
@@ -570,8 +570,8 @@
         </p:nvSpPr>
         <p:spPr>
           <a:xfrm>
-            <a:off x="6629400" y="223462"/>
-            <a:ext cx="2057400" cy="4761138"/>
+            <a:off x="6629400" y="194664"/>
+            <a:ext cx="2057400" cy="4147540"/>
           </a:xfrm>
         </p:spPr>
         <p:txBody>
@@ -598,8 +598,8 @@
         </p:nvSpPr>
         <p:spPr>
           <a:xfrm>
-            <a:off x="457200" y="223462"/>
-            <a:ext cx="6019800" cy="4761138"/>
+            <a:off x="457200" y="194664"/>
+            <a:ext cx="6019800" cy="4147540"/>
           </a:xfrm>
         </p:spPr>
         <p:txBody>
@@ -692,7 +692,7 @@
           <a:p>
             <a:fld id="{E90ED720-0104-4369-84BC-D37694168613}" type="datetimeFigureOut">
               <a:rPr kumimoji="1" lang="ja-JP" altLang="en-US" smtClean="0"/>
-              <a:t>2015/4/20</a:t>
+              <a:t>2015/9/28</a:t>
             </a:fld>
             <a:endParaRPr kumimoji="1" lang="ja-JP" altLang="en-US"/>
           </a:p>
@@ -889,7 +889,7 @@
           <a:p>
             <a:fld id="{E90ED720-0104-4369-84BC-D37694168613}" type="datetimeFigureOut">
               <a:rPr kumimoji="1" lang="ja-JP" altLang="en-US" smtClean="0"/>
-              <a:t>2015/4/20</a:t>
+              <a:t>2015/9/28</a:t>
             </a:fld>
             <a:endParaRPr kumimoji="1" lang="ja-JP" altLang="en-US"/>
           </a:p>
@@ -974,8 +974,8 @@
         </p:nvSpPr>
         <p:spPr>
           <a:xfrm>
-            <a:off x="722313" y="3585708"/>
-            <a:ext cx="7772400" cy="1108262"/>
+            <a:off x="722313" y="3123596"/>
+            <a:ext cx="7772400" cy="965433"/>
           </a:xfrm>
         </p:spPr>
         <p:txBody>
@@ -1006,8 +1006,8 @@
         </p:nvSpPr>
         <p:spPr>
           <a:xfrm>
-            <a:off x="722313" y="2365070"/>
-            <a:ext cx="7772400" cy="1220638"/>
+            <a:off x="722313" y="2060269"/>
+            <a:ext cx="7772400" cy="1063327"/>
           </a:xfrm>
         </p:spPr>
         <p:txBody>
@@ -1130,7 +1130,7 @@
           <a:p>
             <a:fld id="{E90ED720-0104-4369-84BC-D37694168613}" type="datetimeFigureOut">
               <a:rPr kumimoji="1" lang="ja-JP" altLang="en-US" smtClean="0"/>
-              <a:t>2015/4/20</a:t>
+              <a:t>2015/9/28</a:t>
             </a:fld>
             <a:endParaRPr kumimoji="1" lang="ja-JP" altLang="en-US"/>
           </a:p>
@@ -1238,8 +1238,8 @@
         </p:nvSpPr>
         <p:spPr>
           <a:xfrm>
-            <a:off x="457200" y="1302015"/>
-            <a:ext cx="4038600" cy="3682584"/>
+            <a:off x="457200" y="1134217"/>
+            <a:ext cx="4038600" cy="3207986"/>
           </a:xfrm>
         </p:spPr>
         <p:txBody>
@@ -1355,8 +1355,8 @@
         </p:nvSpPr>
         <p:spPr>
           <a:xfrm>
-            <a:off x="4648200" y="1302015"/>
-            <a:ext cx="4038600" cy="3682584"/>
+            <a:off x="4648200" y="1134217"/>
+            <a:ext cx="4038600" cy="3207986"/>
           </a:xfrm>
         </p:spPr>
         <p:txBody>
@@ -1477,7 +1477,7 @@
           <a:p>
             <a:fld id="{E90ED720-0104-4369-84BC-D37694168613}" type="datetimeFigureOut">
               <a:rPr kumimoji="1" lang="ja-JP" altLang="en-US" smtClean="0"/>
-              <a:t>2015/4/20</a:t>
+              <a:t>2015/9/28</a:t>
             </a:fld>
             <a:endParaRPr kumimoji="1" lang="ja-JP" altLang="en-US"/>
           </a:p>
@@ -1589,8 +1589,8 @@
         </p:nvSpPr>
         <p:spPr>
           <a:xfrm>
-            <a:off x="457200" y="1249056"/>
-            <a:ext cx="4040188" cy="520548"/>
+            <a:off x="457200" y="1088083"/>
+            <a:ext cx="4040188" cy="453461"/>
           </a:xfrm>
         </p:spPr>
         <p:txBody>
@@ -1654,8 +1654,8 @@
         </p:nvSpPr>
         <p:spPr>
           <a:xfrm>
-            <a:off x="457200" y="1769605"/>
-            <a:ext cx="4040188" cy="3214995"/>
+            <a:off x="457200" y="1541545"/>
+            <a:ext cx="4040188" cy="2800658"/>
           </a:xfrm>
         </p:spPr>
         <p:txBody>
@@ -1771,8 +1771,8 @@
         </p:nvSpPr>
         <p:spPr>
           <a:xfrm>
-            <a:off x="4645029" y="1249056"/>
-            <a:ext cx="4041775" cy="520548"/>
+            <a:off x="4645032" y="1088083"/>
+            <a:ext cx="4041775" cy="453461"/>
           </a:xfrm>
         </p:spPr>
         <p:txBody>
@@ -1836,8 +1836,8 @@
         </p:nvSpPr>
         <p:spPr>
           <a:xfrm>
-            <a:off x="4645029" y="1769605"/>
-            <a:ext cx="4041775" cy="3214995"/>
+            <a:off x="4645032" y="1541545"/>
+            <a:ext cx="4041775" cy="2800658"/>
           </a:xfrm>
         </p:spPr>
         <p:txBody>
@@ -1958,7 +1958,7 @@
           <a:p>
             <a:fld id="{E90ED720-0104-4369-84BC-D37694168613}" type="datetimeFigureOut">
               <a:rPr kumimoji="1" lang="ja-JP" altLang="en-US" smtClean="0"/>
-              <a:t>2015/4/20</a:t>
+              <a:t>2015/9/28</a:t>
             </a:fld>
             <a:endParaRPr kumimoji="1" lang="ja-JP" altLang="en-US"/>
           </a:p>
@@ -2071,7 +2071,7 @@
           <a:p>
             <a:fld id="{E90ED720-0104-4369-84BC-D37694168613}" type="datetimeFigureOut">
               <a:rPr kumimoji="1" lang="ja-JP" altLang="en-US" smtClean="0"/>
-              <a:t>2015/4/20</a:t>
+              <a:t>2015/9/28</a:t>
             </a:fld>
             <a:endParaRPr kumimoji="1" lang="ja-JP" altLang="en-US"/>
           </a:p>
@@ -2161,7 +2161,7 @@
           <a:p>
             <a:fld id="{E90ED720-0104-4369-84BC-D37694168613}" type="datetimeFigureOut">
               <a:rPr kumimoji="1" lang="ja-JP" altLang="en-US" smtClean="0"/>
-              <a:t>2015/4/20</a:t>
+              <a:t>2015/9/28</a:t>
             </a:fld>
             <a:endParaRPr kumimoji="1" lang="ja-JP" altLang="en-US"/>
           </a:p>
@@ -2246,8 +2246,8 @@
         </p:nvSpPr>
         <p:spPr>
           <a:xfrm>
-            <a:off x="457203" y="222172"/>
-            <a:ext cx="3008313" cy="945510"/>
+            <a:off x="457206" y="193539"/>
+            <a:ext cx="3008313" cy="823657"/>
           </a:xfrm>
         </p:spPr>
         <p:txBody>
@@ -2278,8 +2278,8 @@
         </p:nvSpPr>
         <p:spPr>
           <a:xfrm>
-            <a:off x="3575050" y="222170"/>
-            <a:ext cx="5111750" cy="4762429"/>
+            <a:off x="3575050" y="193538"/>
+            <a:ext cx="5111750" cy="4148664"/>
           </a:xfrm>
         </p:spPr>
         <p:txBody>
@@ -2395,8 +2395,8 @@
         </p:nvSpPr>
         <p:spPr>
           <a:xfrm>
-            <a:off x="457203" y="1167681"/>
-            <a:ext cx="3008313" cy="3816918"/>
+            <a:off x="457206" y="1017194"/>
+            <a:ext cx="3008313" cy="3325008"/>
           </a:xfrm>
         </p:spPr>
         <p:txBody>
@@ -2465,7 +2465,7 @@
           <a:p>
             <a:fld id="{E90ED720-0104-4369-84BC-D37694168613}" type="datetimeFigureOut">
               <a:rPr kumimoji="1" lang="ja-JP" altLang="en-US" smtClean="0"/>
-              <a:t>2015/4/20</a:t>
+              <a:t>2015/9/28</a:t>
             </a:fld>
             <a:endParaRPr kumimoji="1" lang="ja-JP" altLang="en-US"/>
           </a:p>
@@ -2550,8 +2550,8 @@
         </p:nvSpPr>
         <p:spPr>
           <a:xfrm>
-            <a:off x="1792288" y="3906044"/>
-            <a:ext cx="5486400" cy="461130"/>
+            <a:off x="1792288" y="3402649"/>
+            <a:ext cx="5486400" cy="401701"/>
           </a:xfrm>
         </p:spPr>
         <p:txBody>
@@ -2582,8 +2582,8 @@
         </p:nvSpPr>
         <p:spPr>
           <a:xfrm>
-            <a:off x="1792288" y="498589"/>
-            <a:ext cx="5486400" cy="3348038"/>
+            <a:off x="1792288" y="434333"/>
+            <a:ext cx="5486400" cy="2916555"/>
           </a:xfrm>
         </p:spPr>
         <p:txBody>
@@ -2643,8 +2643,8 @@
         </p:nvSpPr>
         <p:spPr>
           <a:xfrm>
-            <a:off x="1792288" y="4367175"/>
-            <a:ext cx="5486400" cy="654881"/>
+            <a:off x="1792288" y="3804350"/>
+            <a:ext cx="5486400" cy="570483"/>
           </a:xfrm>
         </p:spPr>
         <p:txBody>
@@ -2713,7 +2713,7 @@
           <a:p>
             <a:fld id="{E90ED720-0104-4369-84BC-D37694168613}" type="datetimeFigureOut">
               <a:rPr kumimoji="1" lang="ja-JP" altLang="en-US" smtClean="0"/>
-              <a:t>2015/4/20</a:t>
+              <a:t>2015/9/28</a:t>
             </a:fld>
             <a:endParaRPr kumimoji="1" lang="ja-JP" altLang="en-US"/>
           </a:p>
@@ -2803,8 +2803,8 @@
         </p:nvSpPr>
         <p:spPr>
           <a:xfrm>
-            <a:off x="457200" y="223462"/>
-            <a:ext cx="8229600" cy="930010"/>
+            <a:off x="457200" y="194662"/>
+            <a:ext cx="8229600" cy="810154"/>
           </a:xfrm>
           <a:prstGeom prst="rect">
             <a:avLst/>
@@ -2836,8 +2836,8 @@
         </p:nvSpPr>
         <p:spPr>
           <a:xfrm>
-            <a:off x="457200" y="1302015"/>
-            <a:ext cx="8229600" cy="3682584"/>
+            <a:off x="457200" y="1134217"/>
+            <a:ext cx="8229600" cy="3207986"/>
           </a:xfrm>
           <a:prstGeom prst="rect">
             <a:avLst/>
@@ -2930,8 +2930,8 @@
         </p:nvSpPr>
         <p:spPr>
           <a:xfrm>
-            <a:off x="457200" y="5171892"/>
-            <a:ext cx="2133600" cy="297087"/>
+            <a:off x="457200" y="4505358"/>
+            <a:ext cx="2133600" cy="258800"/>
           </a:xfrm>
           <a:prstGeom prst="rect">
             <a:avLst/>
@@ -2953,7 +2953,7 @@
           <a:p>
             <a:fld id="{E90ED720-0104-4369-84BC-D37694168613}" type="datetimeFigureOut">
               <a:rPr kumimoji="1" lang="ja-JP" altLang="en-US" smtClean="0"/>
-              <a:t>2015/4/20</a:t>
+              <a:t>2015/9/28</a:t>
             </a:fld>
             <a:endParaRPr kumimoji="1" lang="ja-JP" altLang="en-US"/>
           </a:p>
@@ -2971,8 +2971,8 @@
         </p:nvSpPr>
         <p:spPr>
           <a:xfrm>
-            <a:off x="3124200" y="5171892"/>
-            <a:ext cx="2895600" cy="297087"/>
+            <a:off x="3124200" y="4505358"/>
+            <a:ext cx="2895600" cy="258800"/>
           </a:xfrm>
           <a:prstGeom prst="rect">
             <a:avLst/>
@@ -3008,8 +3008,8 @@
         </p:nvSpPr>
         <p:spPr>
           <a:xfrm>
-            <a:off x="6553200" y="5171892"/>
-            <a:ext cx="2133600" cy="297087"/>
+            <a:off x="6553200" y="4505358"/>
+            <a:ext cx="2133600" cy="258800"/>
           </a:xfrm>
           <a:prstGeom prst="rect">
             <a:avLst/>
@@ -3325,7 +3325,7 @@
       </p:grpSpPr>
       <p:pic>
         <p:nvPicPr>
-          <p:cNvPr id="16" name="Picture 2" descr="C:\Users\S\Dropbox\conferences\conference\ICCV2015_\figures\material\comp_lumber_cashew_1_1802.png"/>
+          <p:cNvPr id="50" name="Picture 2" descr="C:\Users\S\Dropbox\conferences\conference\ICCV2015_\figures\material\comp_lumber_cashew_1_1802.png"/>
           <p:cNvPicPr>
             <a:picLocks noChangeAspect="1" noChangeArrowheads="1"/>
           </p:cNvPicPr>
@@ -3364,7 +3364,7 @@
       </p:pic>
       <p:pic>
         <p:nvPicPr>
-          <p:cNvPr id="17" name="Picture 3" descr="C:\Users\S\Dropbox\conferences\conference\ICCV2015_\figures\material\1-11.png"/>
+          <p:cNvPr id="51" name="Picture 3" descr="C:\Users\S\Dropbox\conferences\conference\ICCV2015_\figures\material\1-11.png"/>
           <p:cNvPicPr>
             <a:picLocks noChangeAspect="1" noChangeArrowheads="1"/>
           </p:cNvPicPr>
@@ -3403,7 +3403,7 @@
       </p:pic>
       <p:pic>
         <p:nvPicPr>
-          <p:cNvPr id="18" name="Picture 4" descr="C:\Users\S\Dropbox\conferences\conference\ICCV2015_\figures\material\1-18.png"/>
+          <p:cNvPr id="52" name="Picture 4" descr="C:\Users\S\Dropbox\conferences\conference\ICCV2015_\figures\material\1-18.png"/>
           <p:cNvPicPr>
             <a:picLocks noChangeAspect="1" noChangeArrowheads="1"/>
           </p:cNvPicPr>
@@ -3444,7 +3444,7 @@
       </p:pic>
       <p:pic>
         <p:nvPicPr>
-          <p:cNvPr id="19" name="Picture 5" descr="C:\Users\S\Dropbox\conferences\conference\ICCV2015_\figures\material\comp_lumber_cashew_1_1100.png"/>
+          <p:cNvPr id="53" name="Picture 5" descr="C:\Users\S\Dropbox\conferences\conference\ICCV2015_\figures\material\comp_lumber_cashew_1_1100.png"/>
           <p:cNvPicPr>
             <a:picLocks noChangeAspect="1" noChangeArrowheads="1"/>
           </p:cNvPicPr>
@@ -3483,7 +3483,7 @@
       </p:pic>
       <p:pic>
         <p:nvPicPr>
-          <p:cNvPr id="20" name="Picture 6" descr="C:\Users\S\Dropbox\conferences\conference\ICCV2015_\figures\material\comp_lumber_cashew_1_1101.png"/>
+          <p:cNvPr id="54" name="Picture 6" descr="C:\Users\S\Dropbox\conferences\conference\ICCV2015_\figures\material\comp_lumber_cashew_1_1101.png"/>
           <p:cNvPicPr>
             <a:picLocks noChangeAspect="1" noChangeArrowheads="1"/>
           </p:cNvPicPr>
@@ -3522,7 +3522,7 @@
       </p:pic>
       <p:pic>
         <p:nvPicPr>
-          <p:cNvPr id="21" name="Picture 7" descr="C:\Users\S\Dropbox\conferences\conference\ICCV2015_\figures\material\comp_lumber_cashew_1_1102.png"/>
+          <p:cNvPr id="55" name="Picture 7" descr="C:\Users\S\Dropbox\conferences\conference\ICCV2015_\figures\material\comp_lumber_cashew_1_1102.png"/>
           <p:cNvPicPr>
             <a:picLocks noChangeAspect="1" noChangeArrowheads="1"/>
           </p:cNvPicPr>
@@ -3561,7 +3561,7 @@
       </p:pic>
       <p:pic>
         <p:nvPicPr>
-          <p:cNvPr id="22" name="Picture 8" descr="C:\Users\S\Dropbox\conferences\conference\ICCV2015_\figures\material\comp_lumber_cashew_1_1800.png"/>
+          <p:cNvPr id="56" name="Picture 8" descr="C:\Users\S\Dropbox\conferences\conference\ICCV2015_\figures\material\comp_lumber_cashew_1_1800.png"/>
           <p:cNvPicPr>
             <a:picLocks noChangeAspect="1" noChangeArrowheads="1"/>
           </p:cNvPicPr>
@@ -3600,7 +3600,7 @@
       </p:pic>
       <p:pic>
         <p:nvPicPr>
-          <p:cNvPr id="23" name="Picture 9" descr="C:\Users\S\Dropbox\conferences\conference\ICCV2015_\figures\material\comp_lumber_cashew_1_1801.png"/>
+          <p:cNvPr id="57" name="Picture 9" descr="C:\Users\S\Dropbox\conferences\conference\ICCV2015_\figures\material\comp_lumber_cashew_1_1801.png"/>
           <p:cNvPicPr>
             <a:picLocks noChangeAspect="1" noChangeArrowheads="1"/>
           </p:cNvPicPr>
@@ -3639,7 +3639,7 @@
       </p:pic>
       <p:sp>
         <p:nvSpPr>
-          <p:cNvPr id="24" name="フリーフォーム 54"/>
+          <p:cNvPr id="58" name="フリーフォーム 54"/>
           <p:cNvSpPr/>
           <p:nvPr/>
         </p:nvSpPr>
@@ -3737,7 +3737,7 @@
       </p:sp>
       <p:sp>
         <p:nvSpPr>
-          <p:cNvPr id="25" name="フリーフォーム 55"/>
+          <p:cNvPr id="59" name="フリーフォーム 55"/>
           <p:cNvSpPr/>
           <p:nvPr/>
         </p:nvSpPr>
@@ -3830,188 +3830,6 @@
           <a:p>
             <a:pPr algn="ctr"/>
             <a:endParaRPr kumimoji="1" lang="ja-JP" altLang="en-US"/>
-          </a:p>
-        </p:txBody>
-      </p:sp>
-      <p:sp>
-        <p:nvSpPr>
-          <p:cNvPr id="26" name="テキスト ボックス 56"/>
-          <p:cNvSpPr txBox="1"/>
-          <p:nvPr/>
-        </p:nvSpPr>
-        <p:spPr>
-          <a:xfrm>
-            <a:off x="607798" y="4952012"/>
-            <a:ext cx="1371914" cy="461665"/>
-          </a:xfrm>
-          <a:prstGeom prst="rect">
-            <a:avLst/>
-          </a:prstGeom>
-          <a:noFill/>
-        </p:spPr>
-        <p:txBody>
-          <a:bodyPr wrap="none" rtlCol="0">
-            <a:spAutoFit/>
-          </a:bodyPr>
-          <a:lstStyle/>
-          <a:p>
-            <a:r>
-              <a:rPr kumimoji="1" lang="en-US" altLang="ja-JP" sz="2400" dirty="0" smtClean="0">
-                <a:latin typeface="Times New Roman" panose="02020603050405020304" pitchFamily="18" charset="0"/>
-                <a:cs typeface="Times New Roman" panose="02020603050405020304" pitchFamily="18" charset="0"/>
-              </a:rPr>
-              <a:t>(a</a:t>
-            </a:r>
-            <a:r>
-              <a:rPr kumimoji="1" lang="en-US" altLang="ja-JP" sz="2400" dirty="0" smtClean="0">
-                <a:latin typeface="Times New Roman" panose="02020603050405020304" pitchFamily="18" charset="0"/>
-                <a:cs typeface="Times New Roman" panose="02020603050405020304" pitchFamily="18" charset="0"/>
-              </a:rPr>
-              <a:t>) Target</a:t>
-            </a:r>
-            <a:endParaRPr kumimoji="1" lang="ja-JP" altLang="en-US" sz="2400" dirty="0">
-              <a:latin typeface="Times New Roman" panose="02020603050405020304" pitchFamily="18" charset="0"/>
-              <a:cs typeface="Times New Roman" panose="02020603050405020304" pitchFamily="18" charset="0"/>
-            </a:endParaRPr>
-          </a:p>
-        </p:txBody>
-      </p:sp>
-      <p:sp>
-        <p:nvSpPr>
-          <p:cNvPr id="27" name="テキスト ボックス 57"/>
-          <p:cNvSpPr txBox="1"/>
-          <p:nvPr/>
-        </p:nvSpPr>
-        <p:spPr>
-          <a:xfrm>
-            <a:off x="2699792" y="4952012"/>
-            <a:ext cx="1962397" cy="461665"/>
-          </a:xfrm>
-          <a:prstGeom prst="rect">
-            <a:avLst/>
-          </a:prstGeom>
-          <a:noFill/>
-        </p:spPr>
-        <p:txBody>
-          <a:bodyPr wrap="none" rtlCol="0">
-            <a:spAutoFit/>
-          </a:bodyPr>
-          <a:lstStyle/>
-          <a:p>
-            <a:r>
-              <a:rPr kumimoji="1" lang="en-US" altLang="ja-JP" sz="2400" dirty="0" smtClean="0">
-                <a:latin typeface="Times New Roman" panose="02020603050405020304" pitchFamily="18" charset="0"/>
-                <a:cs typeface="Times New Roman" panose="02020603050405020304" pitchFamily="18" charset="0"/>
-              </a:rPr>
-              <a:t>(b</a:t>
-            </a:r>
-            <a:r>
-              <a:rPr kumimoji="1" lang="en-US" altLang="ja-JP" sz="2400" dirty="0" smtClean="0">
-                <a:latin typeface="Times New Roman" panose="02020603050405020304" pitchFamily="18" charset="0"/>
-                <a:cs typeface="Times New Roman" panose="02020603050405020304" pitchFamily="18" charset="0"/>
-              </a:rPr>
-              <a:t>) Graph cuts</a:t>
-            </a:r>
-            <a:endParaRPr kumimoji="1" lang="ja-JP" altLang="en-US" sz="2400" dirty="0">
-              <a:latin typeface="Times New Roman" panose="02020603050405020304" pitchFamily="18" charset="0"/>
-              <a:cs typeface="Times New Roman" panose="02020603050405020304" pitchFamily="18" charset="0"/>
-            </a:endParaRPr>
-          </a:p>
-        </p:txBody>
-      </p:sp>
-      <p:sp>
-        <p:nvSpPr>
-          <p:cNvPr id="28" name="テキスト ボックス 58"/>
-          <p:cNvSpPr txBox="1"/>
-          <p:nvPr/>
-        </p:nvSpPr>
-        <p:spPr>
-          <a:xfrm>
-            <a:off x="5076056" y="4952012"/>
-            <a:ext cx="1816523" cy="461665"/>
-          </a:xfrm>
-          <a:prstGeom prst="rect">
-            <a:avLst/>
-          </a:prstGeom>
-          <a:noFill/>
-        </p:spPr>
-        <p:txBody>
-          <a:bodyPr wrap="none" rtlCol="0">
-            <a:spAutoFit/>
-          </a:bodyPr>
-          <a:lstStyle/>
-          <a:p>
-            <a:r>
-              <a:rPr kumimoji="1" lang="en-US" altLang="ja-JP" sz="2400" dirty="0" smtClean="0">
-                <a:latin typeface="Times New Roman" panose="02020603050405020304" pitchFamily="18" charset="0"/>
-                <a:cs typeface="Times New Roman" panose="02020603050405020304" pitchFamily="18" charset="0"/>
-              </a:rPr>
-              <a:t>(c</a:t>
-            </a:r>
-            <a:r>
-              <a:rPr kumimoji="1" lang="en-US" altLang="ja-JP" sz="2400" dirty="0" smtClean="0">
-                <a:latin typeface="Times New Roman" panose="02020603050405020304" pitchFamily="18" charset="0"/>
-                <a:cs typeface="Times New Roman" panose="02020603050405020304" pitchFamily="18" charset="0"/>
-              </a:rPr>
-              <a:t>) Low-rank</a:t>
-            </a:r>
-            <a:endParaRPr kumimoji="1" lang="ja-JP" altLang="en-US" sz="2400" dirty="0">
-              <a:latin typeface="Times New Roman" panose="02020603050405020304" pitchFamily="18" charset="0"/>
-              <a:cs typeface="Times New Roman" panose="02020603050405020304" pitchFamily="18" charset="0"/>
-            </a:endParaRPr>
-          </a:p>
-        </p:txBody>
-      </p:sp>
-      <p:sp>
-        <p:nvSpPr>
-          <p:cNvPr id="29" name="テキスト ボックス 59"/>
-          <p:cNvSpPr txBox="1"/>
-          <p:nvPr/>
-        </p:nvSpPr>
-        <p:spPr>
-          <a:xfrm>
-            <a:off x="7102294" y="4767346"/>
-            <a:ext cx="1911101" cy="830997"/>
-          </a:xfrm>
-          <a:prstGeom prst="rect">
-            <a:avLst/>
-          </a:prstGeom>
-          <a:noFill/>
-        </p:spPr>
-        <p:txBody>
-          <a:bodyPr wrap="none" rtlCol="0">
-            <a:spAutoFit/>
-          </a:bodyPr>
-          <a:lstStyle/>
-          <a:p>
-            <a:r>
-              <a:rPr kumimoji="1" lang="en-US" altLang="ja-JP" sz="2400" dirty="0" smtClean="0">
-                <a:latin typeface="Times New Roman" panose="02020603050405020304" pitchFamily="18" charset="0"/>
-                <a:cs typeface="Times New Roman" panose="02020603050405020304" pitchFamily="18" charset="0"/>
-              </a:rPr>
-              <a:t>(d</a:t>
-            </a:r>
-            <a:r>
-              <a:rPr kumimoji="1" lang="en-US" altLang="ja-JP" sz="2400" dirty="0" smtClean="0">
-                <a:latin typeface="Times New Roman" panose="02020603050405020304" pitchFamily="18" charset="0"/>
-                <a:cs typeface="Times New Roman" panose="02020603050405020304" pitchFamily="18" charset="0"/>
-              </a:rPr>
-              <a:t>) Low-rank </a:t>
-            </a:r>
-          </a:p>
-          <a:p>
-            <a:pPr algn="ctr"/>
-            <a:r>
-              <a:rPr kumimoji="1" lang="en-US" altLang="ja-JP" sz="2400" dirty="0" smtClean="0">
-                <a:latin typeface="Times New Roman" panose="02020603050405020304" pitchFamily="18" charset="0"/>
-                <a:cs typeface="Times New Roman" panose="02020603050405020304" pitchFamily="18" charset="0"/>
-              </a:rPr>
-              <a:t>+ Label cost</a:t>
-            </a:r>
-            <a:endParaRPr kumimoji="1" lang="ja-JP" altLang="en-US" sz="2400" dirty="0">
-              <a:latin typeface="Times New Roman" panose="02020603050405020304" pitchFamily="18" charset="0"/>
-              <a:cs typeface="Times New Roman" panose="02020603050405020304" pitchFamily="18" charset="0"/>
-            </a:endParaRPr>
           </a:p>
         </p:txBody>
       </p:sp>
